--- a/グループQ_BlackPepper発表用_yo_0729.pptx
+++ b/グループQ_BlackPepper発表用_yo_0729.pptx
@@ -9012,14 +9012,14 @@
       </p:sp>
       <p:sp>
         <p:nvSpPr>
-          <p:cNvPr id="27" name="テキスト ボックス 26"/>
+          <p:cNvPr id="28" name="テキスト ボックス 27"/>
           <p:cNvSpPr txBox="1"/>
           <p:nvPr/>
         </p:nvSpPr>
         <p:spPr>
           <a:xfrm>
-            <a:off x="1366495" y="3968585"/>
-            <a:ext cx="2095163" cy="646331"/>
+            <a:off x="3501778" y="4044567"/>
+            <a:ext cx="3682793" cy="2308324"/>
           </a:xfrm>
           <a:prstGeom prst="rect">
             <a:avLst/>
@@ -9033,12 +9033,29 @@
           <a:lstStyle/>
           <a:p>
             <a:r>
-              <a:rPr kumimoji="1" lang="en-US" altLang="ja-JP" sz="3600" dirty="0" smtClean="0"/>
-              <a:t>Member:   </a:t>
-            </a:r>
-            <a:r>
               <a:rPr kumimoji="1" lang="ja-JP" altLang="en-US" sz="3600" dirty="0" smtClean="0"/>
-              <a:t>　</a:t>
+              <a:t>片倉　貴和子</a:t>
+            </a:r>
+            <a:endParaRPr kumimoji="1" lang="en-US" altLang="ja-JP" sz="3600" dirty="0" smtClean="0"/>
+          </a:p>
+          <a:p>
+            <a:r>
+              <a:rPr kumimoji="1" lang="ja-JP" altLang="en-US" sz="3600" dirty="0" smtClean="0"/>
+              <a:t>加藤　雄己</a:t>
+            </a:r>
+            <a:endParaRPr kumimoji="1" lang="en-US" altLang="ja-JP" sz="3600" dirty="0" smtClean="0"/>
+          </a:p>
+          <a:p>
+            <a:r>
+              <a:rPr kumimoji="1" lang="ja-JP" altLang="en-US" sz="3600" dirty="0" smtClean="0"/>
+              <a:t>鈴木　諒</a:t>
+            </a:r>
+            <a:endParaRPr kumimoji="1" lang="en-US" altLang="ja-JP" sz="3600" dirty="0" smtClean="0"/>
+          </a:p>
+          <a:p>
+            <a:r>
+              <a:rPr kumimoji="1" lang="ja-JP" altLang="en-US" sz="3600" dirty="0" smtClean="0"/>
+              <a:t>松村　美聡</a:t>
             </a:r>
             <a:endParaRPr kumimoji="1" lang="ja-JP" altLang="en-US" sz="3600" dirty="0"/>
           </a:p>
@@ -9046,14 +9063,14 @@
       </p:sp>
       <p:sp>
         <p:nvSpPr>
-          <p:cNvPr id="28" name="テキスト ボックス 27"/>
+          <p:cNvPr id="21" name="テキスト ボックス 20"/>
           <p:cNvSpPr txBox="1"/>
           <p:nvPr/>
         </p:nvSpPr>
         <p:spPr>
           <a:xfrm>
-            <a:off x="3501778" y="4044567"/>
-            <a:ext cx="3682793" cy="2308324"/>
+            <a:off x="1504519" y="3968585"/>
+            <a:ext cx="2095163" cy="646331"/>
           </a:xfrm>
           <a:prstGeom prst="rect">
             <a:avLst/>
@@ -9067,29 +9084,12 @@
           <a:lstStyle/>
           <a:p>
             <a:r>
+              <a:rPr kumimoji="1" lang="en-US" altLang="ja-JP" sz="3600" dirty="0" smtClean="0"/>
+              <a:t>Member:   </a:t>
+            </a:r>
+            <a:r>
               <a:rPr kumimoji="1" lang="ja-JP" altLang="en-US" sz="3600" dirty="0" smtClean="0"/>
-              <a:t>片倉　貴和子</a:t>
-            </a:r>
-            <a:endParaRPr kumimoji="1" lang="en-US" altLang="ja-JP" sz="3600" dirty="0" smtClean="0"/>
-          </a:p>
-          <a:p>
-            <a:r>
-              <a:rPr kumimoji="1" lang="ja-JP" altLang="en-US" sz="3600" dirty="0" smtClean="0"/>
-              <a:t>加藤　雄己</a:t>
-            </a:r>
-            <a:endParaRPr kumimoji="1" lang="en-US" altLang="ja-JP" sz="3600" dirty="0" smtClean="0"/>
-          </a:p>
-          <a:p>
-            <a:r>
-              <a:rPr kumimoji="1" lang="ja-JP" altLang="en-US" sz="3600" dirty="0" smtClean="0"/>
-              <a:t>鈴木　諒</a:t>
-            </a:r>
-            <a:endParaRPr kumimoji="1" lang="en-US" altLang="ja-JP" sz="3600" dirty="0" smtClean="0"/>
-          </a:p>
-          <a:p>
-            <a:r>
-              <a:rPr kumimoji="1" lang="ja-JP" altLang="en-US" sz="3600" dirty="0" smtClean="0"/>
-              <a:t>松村　美聡</a:t>
+              <a:t>　</a:t>
             </a:r>
             <a:endParaRPr kumimoji="1" lang="ja-JP" altLang="en-US" sz="3600" dirty="0"/>
           </a:p>
@@ -12313,14 +12313,14 @@
       </p:sp>
       <p:sp>
         <p:nvSpPr>
-          <p:cNvPr id="31" name="テキスト ボックス 30"/>
+          <p:cNvPr id="32" name="テキスト ボックス 31"/>
           <p:cNvSpPr txBox="1"/>
           <p:nvPr/>
         </p:nvSpPr>
         <p:spPr>
           <a:xfrm>
-            <a:off x="1366495" y="3968585"/>
-            <a:ext cx="2095163" cy="646331"/>
+            <a:off x="3501778" y="4044567"/>
+            <a:ext cx="3682793" cy="2308324"/>
           </a:xfrm>
           <a:prstGeom prst="rect">
             <a:avLst/>
@@ -12334,12 +12334,29 @@
           <a:lstStyle/>
           <a:p>
             <a:r>
-              <a:rPr kumimoji="1" lang="en-US" altLang="ja-JP" sz="3600" dirty="0" smtClean="0"/>
-              <a:t>Member:   </a:t>
-            </a:r>
-            <a:r>
               <a:rPr kumimoji="1" lang="ja-JP" altLang="en-US" sz="3600" dirty="0" smtClean="0"/>
-              <a:t>　</a:t>
+              <a:t>片倉　貴和子</a:t>
+            </a:r>
+            <a:endParaRPr kumimoji="1" lang="en-US" altLang="ja-JP" sz="3600" dirty="0" smtClean="0"/>
+          </a:p>
+          <a:p>
+            <a:r>
+              <a:rPr kumimoji="1" lang="ja-JP" altLang="en-US" sz="3600" dirty="0" smtClean="0"/>
+              <a:t>加藤　雄己</a:t>
+            </a:r>
+            <a:endParaRPr kumimoji="1" lang="en-US" altLang="ja-JP" sz="3600" dirty="0" smtClean="0"/>
+          </a:p>
+          <a:p>
+            <a:r>
+              <a:rPr kumimoji="1" lang="ja-JP" altLang="en-US" sz="3600" dirty="0" smtClean="0"/>
+              <a:t>鈴木　諒</a:t>
+            </a:r>
+            <a:endParaRPr kumimoji="1" lang="en-US" altLang="ja-JP" sz="3600" dirty="0" smtClean="0"/>
+          </a:p>
+          <a:p>
+            <a:r>
+              <a:rPr kumimoji="1" lang="ja-JP" altLang="en-US" sz="3600" dirty="0" smtClean="0"/>
+              <a:t>松村　美聡</a:t>
             </a:r>
             <a:endParaRPr kumimoji="1" lang="ja-JP" altLang="en-US" sz="3600" dirty="0"/>
           </a:p>
@@ -12347,14 +12364,14 @@
       </p:sp>
       <p:sp>
         <p:nvSpPr>
-          <p:cNvPr id="32" name="テキスト ボックス 31"/>
+          <p:cNvPr id="12" name="テキスト ボックス 11"/>
           <p:cNvSpPr txBox="1"/>
           <p:nvPr/>
         </p:nvSpPr>
         <p:spPr>
           <a:xfrm>
-            <a:off x="3501778" y="4044567"/>
-            <a:ext cx="3682793" cy="2308324"/>
+            <a:off x="1504519" y="3968585"/>
+            <a:ext cx="2095163" cy="646331"/>
           </a:xfrm>
           <a:prstGeom prst="rect">
             <a:avLst/>
@@ -12368,29 +12385,12 @@
           <a:lstStyle/>
           <a:p>
             <a:r>
+              <a:rPr kumimoji="1" lang="en-US" altLang="ja-JP" sz="3600" dirty="0" smtClean="0"/>
+              <a:t>Member:   </a:t>
+            </a:r>
+            <a:r>
               <a:rPr kumimoji="1" lang="ja-JP" altLang="en-US" sz="3600" dirty="0" smtClean="0"/>
-              <a:t>片倉　貴和子</a:t>
-            </a:r>
-            <a:endParaRPr kumimoji="1" lang="en-US" altLang="ja-JP" sz="3600" dirty="0" smtClean="0"/>
-          </a:p>
-          <a:p>
-            <a:r>
-              <a:rPr kumimoji="1" lang="ja-JP" altLang="en-US" sz="3600" dirty="0" smtClean="0"/>
-              <a:t>加藤　雄己</a:t>
-            </a:r>
-            <a:endParaRPr kumimoji="1" lang="en-US" altLang="ja-JP" sz="3600" dirty="0" smtClean="0"/>
-          </a:p>
-          <a:p>
-            <a:r>
-              <a:rPr kumimoji="1" lang="ja-JP" altLang="en-US" sz="3600" dirty="0" smtClean="0"/>
-              <a:t>鈴木　諒</a:t>
-            </a:r>
-            <a:endParaRPr kumimoji="1" lang="en-US" altLang="ja-JP" sz="3600" dirty="0" smtClean="0"/>
-          </a:p>
-          <a:p>
-            <a:r>
-              <a:rPr kumimoji="1" lang="ja-JP" altLang="en-US" sz="3600" dirty="0" smtClean="0"/>
-              <a:t>松村　美聡</a:t>
+              <a:t>　</a:t>
             </a:r>
             <a:endParaRPr kumimoji="1" lang="ja-JP" altLang="en-US" sz="3600" dirty="0"/>
           </a:p>
@@ -12850,14 +12850,14 @@
       </p:sp>
       <p:sp>
         <p:nvSpPr>
-          <p:cNvPr id="31" name="テキスト ボックス 30"/>
+          <p:cNvPr id="32" name="テキスト ボックス 31"/>
           <p:cNvSpPr txBox="1"/>
           <p:nvPr/>
         </p:nvSpPr>
         <p:spPr>
           <a:xfrm>
-            <a:off x="1366495" y="3968585"/>
-            <a:ext cx="2095163" cy="646331"/>
+            <a:off x="3501778" y="4044567"/>
+            <a:ext cx="3682793" cy="2308324"/>
           </a:xfrm>
           <a:prstGeom prst="rect">
             <a:avLst/>
@@ -12871,12 +12871,29 @@
           <a:lstStyle/>
           <a:p>
             <a:r>
-              <a:rPr kumimoji="1" lang="en-US" altLang="ja-JP" sz="3600" dirty="0" smtClean="0"/>
-              <a:t>Member:   </a:t>
-            </a:r>
-            <a:r>
               <a:rPr kumimoji="1" lang="ja-JP" altLang="en-US" sz="3600" dirty="0" smtClean="0"/>
-              <a:t>　</a:t>
+              <a:t>片倉　貴和子</a:t>
+            </a:r>
+            <a:endParaRPr kumimoji="1" lang="en-US" altLang="ja-JP" sz="3600" dirty="0" smtClean="0"/>
+          </a:p>
+          <a:p>
+            <a:r>
+              <a:rPr kumimoji="1" lang="ja-JP" altLang="en-US" sz="3600" dirty="0" smtClean="0"/>
+              <a:t>加藤　雄己</a:t>
+            </a:r>
+            <a:endParaRPr kumimoji="1" lang="en-US" altLang="ja-JP" sz="3600" dirty="0" smtClean="0"/>
+          </a:p>
+          <a:p>
+            <a:r>
+              <a:rPr kumimoji="1" lang="ja-JP" altLang="en-US" sz="3600" dirty="0" smtClean="0"/>
+              <a:t>鈴木　諒</a:t>
+            </a:r>
+            <a:endParaRPr kumimoji="1" lang="en-US" altLang="ja-JP" sz="3600" dirty="0" smtClean="0"/>
+          </a:p>
+          <a:p>
+            <a:r>
+              <a:rPr kumimoji="1" lang="ja-JP" altLang="en-US" sz="3600" dirty="0" smtClean="0"/>
+              <a:t>松村　美聡</a:t>
             </a:r>
             <a:endParaRPr kumimoji="1" lang="ja-JP" altLang="en-US" sz="3600" dirty="0"/>
           </a:p>
@@ -12884,14 +12901,14 @@
       </p:sp>
       <p:sp>
         <p:nvSpPr>
-          <p:cNvPr id="32" name="テキスト ボックス 31"/>
+          <p:cNvPr id="12" name="テキスト ボックス 11"/>
           <p:cNvSpPr txBox="1"/>
           <p:nvPr/>
         </p:nvSpPr>
         <p:spPr>
           <a:xfrm>
-            <a:off x="3501778" y="4044567"/>
-            <a:ext cx="3682793" cy="2308324"/>
+            <a:off x="1504519" y="3968585"/>
+            <a:ext cx="2095163" cy="646331"/>
           </a:xfrm>
           <a:prstGeom prst="rect">
             <a:avLst/>
@@ -12905,29 +12922,20 @@
           <a:lstStyle/>
           <a:p>
             <a:r>
+              <a:rPr kumimoji="1" lang="en-US" altLang="ja-JP" sz="3600" dirty="0" smtClean="0"/>
+              <a:t>Member:  </a:t>
+            </a:r>
+            <a:r>
+              <a:rPr kumimoji="1" lang="en-US" altLang="ja-JP" sz="3600" dirty="0" smtClean="0">
+                <a:solidFill>
+                  <a:srgbClr val="FF0000"/>
+                </a:solidFill>
+              </a:rPr>
+              <a:t> </a:t>
+            </a:r>
+            <a:r>
               <a:rPr kumimoji="1" lang="ja-JP" altLang="en-US" sz="3600" dirty="0" smtClean="0"/>
-              <a:t>片倉　貴和子</a:t>
-            </a:r>
-            <a:endParaRPr kumimoji="1" lang="en-US" altLang="ja-JP" sz="3600" dirty="0" smtClean="0"/>
-          </a:p>
-          <a:p>
-            <a:r>
-              <a:rPr kumimoji="1" lang="ja-JP" altLang="en-US" sz="3600" dirty="0" smtClean="0"/>
-              <a:t>加藤　雄己</a:t>
-            </a:r>
-            <a:endParaRPr kumimoji="1" lang="en-US" altLang="ja-JP" sz="3600" dirty="0" smtClean="0"/>
-          </a:p>
-          <a:p>
-            <a:r>
-              <a:rPr kumimoji="1" lang="ja-JP" altLang="en-US" sz="3600" dirty="0" smtClean="0"/>
-              <a:t>鈴木　諒</a:t>
-            </a:r>
-            <a:endParaRPr kumimoji="1" lang="en-US" altLang="ja-JP" sz="3600" dirty="0" smtClean="0"/>
-          </a:p>
-          <a:p>
-            <a:r>
-              <a:rPr kumimoji="1" lang="ja-JP" altLang="en-US" sz="3600" dirty="0" smtClean="0"/>
-              <a:t>松村　美聡</a:t>
+              <a:t>　</a:t>
             </a:r>
             <a:endParaRPr kumimoji="1" lang="ja-JP" altLang="en-US" sz="3600" dirty="0"/>
           </a:p>
@@ -13205,13 +13213,72 @@
       </p:sp>
       <p:sp>
         <p:nvSpPr>
-          <p:cNvPr id="31" name="テキスト ボックス 30"/>
+          <p:cNvPr id="32" name="テキスト ボックス 31"/>
           <p:cNvSpPr txBox="1"/>
           <p:nvPr/>
         </p:nvSpPr>
         <p:spPr>
           <a:xfrm>
-            <a:off x="1366495" y="3968585"/>
+            <a:off x="3501778" y="4044567"/>
+            <a:ext cx="3682793" cy="2308324"/>
+          </a:xfrm>
+          <a:prstGeom prst="rect">
+            <a:avLst/>
+          </a:prstGeom>
+          <a:noFill/>
+        </p:spPr>
+        <p:txBody>
+          <a:bodyPr wrap="square" rtlCol="0">
+            <a:spAutoFit/>
+          </a:bodyPr>
+          <a:lstStyle/>
+          <a:p>
+            <a:r>
+              <a:rPr kumimoji="1" lang="ja-JP" altLang="en-US" sz="3600" dirty="0" smtClean="0">
+                <a:solidFill>
+                  <a:srgbClr val="FF0000"/>
+                </a:solidFill>
+              </a:rPr>
+              <a:t>片倉　貴和子</a:t>
+            </a:r>
+            <a:endParaRPr kumimoji="1" lang="en-US" altLang="ja-JP" sz="3600" dirty="0" smtClean="0">
+              <a:solidFill>
+                <a:srgbClr val="FF0000"/>
+              </a:solidFill>
+            </a:endParaRPr>
+          </a:p>
+          <a:p>
+            <a:r>
+              <a:rPr kumimoji="1" lang="ja-JP" altLang="en-US" sz="3600" dirty="0" smtClean="0"/>
+              <a:t>加藤　雄己</a:t>
+            </a:r>
+            <a:endParaRPr kumimoji="1" lang="en-US" altLang="ja-JP" sz="3600" dirty="0" smtClean="0"/>
+          </a:p>
+          <a:p>
+            <a:r>
+              <a:rPr kumimoji="1" lang="ja-JP" altLang="en-US" sz="3600" dirty="0" smtClean="0"/>
+              <a:t>鈴木　諒</a:t>
+            </a:r>
+            <a:endParaRPr kumimoji="1" lang="en-US" altLang="ja-JP" sz="3600" dirty="0" smtClean="0"/>
+          </a:p>
+          <a:p>
+            <a:r>
+              <a:rPr kumimoji="1" lang="ja-JP" altLang="en-US" sz="3600" dirty="0" smtClean="0"/>
+              <a:t>松村　美聡</a:t>
+            </a:r>
+            <a:endParaRPr kumimoji="1" lang="ja-JP" altLang="en-US" sz="3600" dirty="0"/>
+          </a:p>
+        </p:txBody>
+      </p:sp>
+      <p:sp>
+        <p:nvSpPr>
+          <p:cNvPr id="12" name="テキスト ボックス 11"/>
+          <p:cNvSpPr txBox="1"/>
+          <p:nvPr/>
+        </p:nvSpPr>
+        <p:spPr>
+          <a:xfrm>
+            <a:off x="1504519" y="3968585"/>
             <a:ext cx="2095163" cy="646331"/>
           </a:xfrm>
           <a:prstGeom prst="rect">
@@ -13236,65 +13303,6 @@
             <a:r>
               <a:rPr kumimoji="1" lang="ja-JP" altLang="en-US" sz="3600" dirty="0" smtClean="0"/>
               <a:t>　</a:t>
-            </a:r>
-            <a:endParaRPr kumimoji="1" lang="ja-JP" altLang="en-US" sz="3600" dirty="0"/>
-          </a:p>
-        </p:txBody>
-      </p:sp>
-      <p:sp>
-        <p:nvSpPr>
-          <p:cNvPr id="32" name="テキスト ボックス 31"/>
-          <p:cNvSpPr txBox="1"/>
-          <p:nvPr/>
-        </p:nvSpPr>
-        <p:spPr>
-          <a:xfrm>
-            <a:off x="3501778" y="4044567"/>
-            <a:ext cx="3682793" cy="2308324"/>
-          </a:xfrm>
-          <a:prstGeom prst="rect">
-            <a:avLst/>
-          </a:prstGeom>
-          <a:noFill/>
-        </p:spPr>
-        <p:txBody>
-          <a:bodyPr wrap="square" rtlCol="0">
-            <a:spAutoFit/>
-          </a:bodyPr>
-          <a:lstStyle/>
-          <a:p>
-            <a:r>
-              <a:rPr kumimoji="1" lang="ja-JP" altLang="en-US" sz="3600" dirty="0" smtClean="0">
-                <a:solidFill>
-                  <a:srgbClr val="FF0000"/>
-                </a:solidFill>
-              </a:rPr>
-              <a:t>片倉　貴和子</a:t>
-            </a:r>
-            <a:endParaRPr kumimoji="1" lang="en-US" altLang="ja-JP" sz="3600" dirty="0" smtClean="0">
-              <a:solidFill>
-                <a:srgbClr val="FF0000"/>
-              </a:solidFill>
-            </a:endParaRPr>
-          </a:p>
-          <a:p>
-            <a:r>
-              <a:rPr kumimoji="1" lang="ja-JP" altLang="en-US" sz="3600" dirty="0" smtClean="0"/>
-              <a:t>加藤　雄己</a:t>
-            </a:r>
-            <a:endParaRPr kumimoji="1" lang="en-US" altLang="ja-JP" sz="3600" dirty="0" smtClean="0"/>
-          </a:p>
-          <a:p>
-            <a:r>
-              <a:rPr kumimoji="1" lang="ja-JP" altLang="en-US" sz="3600" dirty="0" smtClean="0"/>
-              <a:t>鈴木　諒</a:t>
-            </a:r>
-            <a:endParaRPr kumimoji="1" lang="en-US" altLang="ja-JP" sz="3600" dirty="0" smtClean="0"/>
-          </a:p>
-          <a:p>
-            <a:r>
-              <a:rPr kumimoji="1" lang="ja-JP" altLang="en-US" sz="3600" dirty="0" smtClean="0"/>
-              <a:t>松村　美聡</a:t>
             </a:r>
             <a:endParaRPr kumimoji="1" lang="ja-JP" altLang="en-US" sz="3600" dirty="0"/>
           </a:p>
@@ -13572,13 +13580,72 @@
       </p:sp>
       <p:sp>
         <p:nvSpPr>
-          <p:cNvPr id="31" name="テキスト ボックス 30"/>
+          <p:cNvPr id="32" name="テキスト ボックス 31"/>
           <p:cNvSpPr txBox="1"/>
           <p:nvPr/>
         </p:nvSpPr>
         <p:spPr>
           <a:xfrm>
-            <a:off x="1366495" y="3968585"/>
+            <a:off x="3501778" y="4044567"/>
+            <a:ext cx="3682793" cy="2308324"/>
+          </a:xfrm>
+          <a:prstGeom prst="rect">
+            <a:avLst/>
+          </a:prstGeom>
+          <a:noFill/>
+        </p:spPr>
+        <p:txBody>
+          <a:bodyPr wrap="square" rtlCol="0">
+            <a:spAutoFit/>
+          </a:bodyPr>
+          <a:lstStyle/>
+          <a:p>
+            <a:r>
+              <a:rPr kumimoji="1" lang="ja-JP" altLang="en-US" sz="3600" dirty="0" smtClean="0"/>
+              <a:t>片倉　貴和子</a:t>
+            </a:r>
+            <a:endParaRPr kumimoji="1" lang="en-US" altLang="ja-JP" sz="3600" dirty="0" smtClean="0"/>
+          </a:p>
+          <a:p>
+            <a:r>
+              <a:rPr kumimoji="1" lang="ja-JP" altLang="en-US" sz="3600" dirty="0" smtClean="0">
+                <a:solidFill>
+                  <a:srgbClr val="FF0000"/>
+                </a:solidFill>
+              </a:rPr>
+              <a:t>加藤　雄己</a:t>
+            </a:r>
+            <a:endParaRPr kumimoji="1" lang="en-US" altLang="ja-JP" sz="3600" dirty="0" smtClean="0">
+              <a:solidFill>
+                <a:srgbClr val="FF0000"/>
+              </a:solidFill>
+            </a:endParaRPr>
+          </a:p>
+          <a:p>
+            <a:r>
+              <a:rPr kumimoji="1" lang="ja-JP" altLang="en-US" sz="3600" dirty="0" smtClean="0"/>
+              <a:t>鈴木　諒</a:t>
+            </a:r>
+            <a:endParaRPr kumimoji="1" lang="en-US" altLang="ja-JP" sz="3600" dirty="0" smtClean="0"/>
+          </a:p>
+          <a:p>
+            <a:r>
+              <a:rPr kumimoji="1" lang="ja-JP" altLang="en-US" sz="3600" dirty="0" smtClean="0"/>
+              <a:t>松村　美聡</a:t>
+            </a:r>
+            <a:endParaRPr kumimoji="1" lang="ja-JP" altLang="en-US" sz="3600" dirty="0"/>
+          </a:p>
+        </p:txBody>
+      </p:sp>
+      <p:sp>
+        <p:nvSpPr>
+          <p:cNvPr id="12" name="テキスト ボックス 11"/>
+          <p:cNvSpPr txBox="1"/>
+          <p:nvPr/>
+        </p:nvSpPr>
+        <p:spPr>
+          <a:xfrm>
+            <a:off x="1504519" y="3968585"/>
             <a:ext cx="2095163" cy="646331"/>
           </a:xfrm>
           <a:prstGeom prst="rect">
@@ -13603,65 +13670,6 @@
             <a:r>
               <a:rPr kumimoji="1" lang="ja-JP" altLang="en-US" sz="3600" dirty="0" smtClean="0"/>
               <a:t>　</a:t>
-            </a:r>
-            <a:endParaRPr kumimoji="1" lang="ja-JP" altLang="en-US" sz="3600" dirty="0"/>
-          </a:p>
-        </p:txBody>
-      </p:sp>
-      <p:sp>
-        <p:nvSpPr>
-          <p:cNvPr id="32" name="テキスト ボックス 31"/>
-          <p:cNvSpPr txBox="1"/>
-          <p:nvPr/>
-        </p:nvSpPr>
-        <p:spPr>
-          <a:xfrm>
-            <a:off x="3501778" y="4044567"/>
-            <a:ext cx="3682793" cy="2308324"/>
-          </a:xfrm>
-          <a:prstGeom prst="rect">
-            <a:avLst/>
-          </a:prstGeom>
-          <a:noFill/>
-        </p:spPr>
-        <p:txBody>
-          <a:bodyPr wrap="square" rtlCol="0">
-            <a:spAutoFit/>
-          </a:bodyPr>
-          <a:lstStyle/>
-          <a:p>
-            <a:r>
-              <a:rPr kumimoji="1" lang="ja-JP" altLang="en-US" sz="3600" dirty="0" smtClean="0"/>
-              <a:t>片倉　貴和子</a:t>
-            </a:r>
-            <a:endParaRPr kumimoji="1" lang="en-US" altLang="ja-JP" sz="3600" dirty="0" smtClean="0"/>
-          </a:p>
-          <a:p>
-            <a:r>
-              <a:rPr kumimoji="1" lang="ja-JP" altLang="en-US" sz="3600" dirty="0" smtClean="0">
-                <a:solidFill>
-                  <a:srgbClr val="FF0000"/>
-                </a:solidFill>
-              </a:rPr>
-              <a:t>加藤　雄己</a:t>
-            </a:r>
-            <a:endParaRPr kumimoji="1" lang="en-US" altLang="ja-JP" sz="3600" dirty="0" smtClean="0">
-              <a:solidFill>
-                <a:srgbClr val="FF0000"/>
-              </a:solidFill>
-            </a:endParaRPr>
-          </a:p>
-          <a:p>
-            <a:r>
-              <a:rPr kumimoji="1" lang="ja-JP" altLang="en-US" sz="3600" dirty="0" smtClean="0"/>
-              <a:t>鈴木　諒</a:t>
-            </a:r>
-            <a:endParaRPr kumimoji="1" lang="en-US" altLang="ja-JP" sz="3600" dirty="0" smtClean="0"/>
-          </a:p>
-          <a:p>
-            <a:r>
-              <a:rPr kumimoji="1" lang="ja-JP" altLang="en-US" sz="3600" dirty="0" smtClean="0"/>
-              <a:t>松村　美聡</a:t>
             </a:r>
             <a:endParaRPr kumimoji="1" lang="ja-JP" altLang="en-US" sz="3600" dirty="0"/>
           </a:p>
@@ -13939,13 +13947,72 @@
       </p:sp>
       <p:sp>
         <p:nvSpPr>
-          <p:cNvPr id="31" name="テキスト ボックス 30"/>
+          <p:cNvPr id="32" name="テキスト ボックス 31"/>
           <p:cNvSpPr txBox="1"/>
           <p:nvPr/>
         </p:nvSpPr>
         <p:spPr>
           <a:xfrm>
-            <a:off x="1366495" y="3968585"/>
+            <a:off x="3501778" y="4044567"/>
+            <a:ext cx="3682793" cy="2308324"/>
+          </a:xfrm>
+          <a:prstGeom prst="rect">
+            <a:avLst/>
+          </a:prstGeom>
+          <a:noFill/>
+        </p:spPr>
+        <p:txBody>
+          <a:bodyPr wrap="square" rtlCol="0">
+            <a:spAutoFit/>
+          </a:bodyPr>
+          <a:lstStyle/>
+          <a:p>
+            <a:r>
+              <a:rPr kumimoji="1" lang="ja-JP" altLang="en-US" sz="3600" dirty="0" smtClean="0"/>
+              <a:t>片倉　貴和子</a:t>
+            </a:r>
+            <a:endParaRPr kumimoji="1" lang="en-US" altLang="ja-JP" sz="3600" dirty="0" smtClean="0"/>
+          </a:p>
+          <a:p>
+            <a:r>
+              <a:rPr kumimoji="1" lang="ja-JP" altLang="en-US" sz="3600" dirty="0" smtClean="0"/>
+              <a:t>加藤　雄己</a:t>
+            </a:r>
+            <a:endParaRPr kumimoji="1" lang="en-US" altLang="ja-JP" sz="3600" dirty="0" smtClean="0"/>
+          </a:p>
+          <a:p>
+            <a:r>
+              <a:rPr kumimoji="1" lang="ja-JP" altLang="en-US" sz="3600" dirty="0" smtClean="0">
+                <a:solidFill>
+                  <a:srgbClr val="FF0000"/>
+                </a:solidFill>
+              </a:rPr>
+              <a:t>鈴木　諒</a:t>
+            </a:r>
+            <a:endParaRPr kumimoji="1" lang="en-US" altLang="ja-JP" sz="3600" dirty="0" smtClean="0">
+              <a:solidFill>
+                <a:srgbClr val="FF0000"/>
+              </a:solidFill>
+            </a:endParaRPr>
+          </a:p>
+          <a:p>
+            <a:r>
+              <a:rPr kumimoji="1" lang="ja-JP" altLang="en-US" sz="3600" dirty="0" smtClean="0"/>
+              <a:t>松村　美聡</a:t>
+            </a:r>
+            <a:endParaRPr kumimoji="1" lang="ja-JP" altLang="en-US" sz="3600" dirty="0"/>
+          </a:p>
+        </p:txBody>
+      </p:sp>
+      <p:sp>
+        <p:nvSpPr>
+          <p:cNvPr id="12" name="テキスト ボックス 11"/>
+          <p:cNvSpPr txBox="1"/>
+          <p:nvPr/>
+        </p:nvSpPr>
+        <p:spPr>
+          <a:xfrm>
+            <a:off x="1504519" y="3968585"/>
             <a:ext cx="2095163" cy="646331"/>
           </a:xfrm>
           <a:prstGeom prst="rect">
@@ -13970,65 +14037,6 @@
             <a:r>
               <a:rPr kumimoji="1" lang="ja-JP" altLang="en-US" sz="3600" dirty="0" smtClean="0"/>
               <a:t>　</a:t>
-            </a:r>
-            <a:endParaRPr kumimoji="1" lang="ja-JP" altLang="en-US" sz="3600" dirty="0"/>
-          </a:p>
-        </p:txBody>
-      </p:sp>
-      <p:sp>
-        <p:nvSpPr>
-          <p:cNvPr id="32" name="テキスト ボックス 31"/>
-          <p:cNvSpPr txBox="1"/>
-          <p:nvPr/>
-        </p:nvSpPr>
-        <p:spPr>
-          <a:xfrm>
-            <a:off x="3501778" y="4044567"/>
-            <a:ext cx="3682793" cy="2308324"/>
-          </a:xfrm>
-          <a:prstGeom prst="rect">
-            <a:avLst/>
-          </a:prstGeom>
-          <a:noFill/>
-        </p:spPr>
-        <p:txBody>
-          <a:bodyPr wrap="square" rtlCol="0">
-            <a:spAutoFit/>
-          </a:bodyPr>
-          <a:lstStyle/>
-          <a:p>
-            <a:r>
-              <a:rPr kumimoji="1" lang="ja-JP" altLang="en-US" sz="3600" dirty="0" smtClean="0"/>
-              <a:t>片倉　貴和子</a:t>
-            </a:r>
-            <a:endParaRPr kumimoji="1" lang="en-US" altLang="ja-JP" sz="3600" dirty="0" smtClean="0"/>
-          </a:p>
-          <a:p>
-            <a:r>
-              <a:rPr kumimoji="1" lang="ja-JP" altLang="en-US" sz="3600" dirty="0" smtClean="0"/>
-              <a:t>加藤　雄己</a:t>
-            </a:r>
-            <a:endParaRPr kumimoji="1" lang="en-US" altLang="ja-JP" sz="3600" dirty="0" smtClean="0"/>
-          </a:p>
-          <a:p>
-            <a:r>
-              <a:rPr kumimoji="1" lang="ja-JP" altLang="en-US" sz="3600" dirty="0" smtClean="0">
-                <a:solidFill>
-                  <a:srgbClr val="FF0000"/>
-                </a:solidFill>
-              </a:rPr>
-              <a:t>鈴木　諒</a:t>
-            </a:r>
-            <a:endParaRPr kumimoji="1" lang="en-US" altLang="ja-JP" sz="3600" dirty="0" smtClean="0">
-              <a:solidFill>
-                <a:srgbClr val="FF0000"/>
-              </a:solidFill>
-            </a:endParaRPr>
-          </a:p>
-          <a:p>
-            <a:r>
-              <a:rPr kumimoji="1" lang="ja-JP" altLang="en-US" sz="3600" dirty="0" smtClean="0"/>
-              <a:t>松村　美聡</a:t>
             </a:r>
             <a:endParaRPr kumimoji="1" lang="ja-JP" altLang="en-US" sz="3600" dirty="0"/>
           </a:p>
@@ -14312,7 +14320,7 @@
         </p:nvSpPr>
         <p:spPr>
           <a:xfrm>
-            <a:off x="1366495" y="3968585"/>
+            <a:off x="1504519" y="3968585"/>
             <a:ext cx="2095163" cy="646331"/>
           </a:xfrm>
           <a:prstGeom prst="rect">
@@ -15847,8 +15855,8 @@
         </p:nvSpPr>
         <p:spPr>
           <a:xfrm>
-            <a:off x="2065524" y="5049114"/>
-            <a:ext cx="5069567" cy="1114425"/>
+            <a:off x="1547939" y="5031861"/>
+            <a:ext cx="6353857" cy="1114425"/>
           </a:xfrm>
           <a:prstGeom prst="roundRect">
             <a:avLst/>
@@ -15882,7 +15890,7 @@
           <a:p>
             <a:pPr algn="ctr"/>
             <a:r>
-              <a:rPr kumimoji="1" lang="ja-JP" altLang="en-US" sz="2800" dirty="0">
+              <a:rPr kumimoji="1" lang="ja-JP" altLang="en-US" sz="3600" dirty="0">
                 <a:solidFill>
                   <a:schemeClr val="tx1"/>
                 </a:solidFill>
@@ -15890,7 +15898,7 @@
               <a:t>これらの</a:t>
             </a:r>
             <a:r>
-              <a:rPr kumimoji="1" lang="ja-JP" altLang="en-US" sz="2800" b="1" dirty="0">
+              <a:rPr kumimoji="1" lang="ja-JP" altLang="en-US" sz="3600" b="1" dirty="0">
                 <a:solidFill>
                   <a:schemeClr val="accent6"/>
                 </a:solidFill>
@@ -15898,14 +15906,14 @@
               <a:t>インフルエンサー</a:t>
             </a:r>
             <a:r>
-              <a:rPr kumimoji="1" lang="ja-JP" altLang="en-US" sz="2800" dirty="0">
+              <a:rPr kumimoji="1" lang="ja-JP" altLang="en-US" sz="3600" dirty="0">
                 <a:solidFill>
                   <a:schemeClr val="tx1"/>
                 </a:solidFill>
               </a:rPr>
               <a:t>に注目</a:t>
             </a:r>
-            <a:endParaRPr kumimoji="1" lang="en-US" altLang="ja-JP" sz="2800" dirty="0">
+            <a:endParaRPr kumimoji="1" lang="en-US" altLang="ja-JP" sz="3600" dirty="0">
               <a:solidFill>
                 <a:schemeClr val="tx1"/>
               </a:solidFill>
